--- a/material/c2_figures.pptx
+++ b/material/c2_figures.pptx
@@ -7,6 +7,10 @@
   <p:sldIdLst>
     <p:sldId id="256" r:id="rId2"/>
     <p:sldId id="257" r:id="rId3"/>
+    <p:sldId id="258" r:id="rId4"/>
+    <p:sldId id="261" r:id="rId5"/>
+    <p:sldId id="262" r:id="rId6"/>
+    <p:sldId id="260" r:id="rId7"/>
   </p:sldIdLst>
   <p:sldSz cx="12192000" cy="6858000"/>
   <p:notesSz cx="6858000" cy="9144000"/>
@@ -260,7 +264,7 @@
           <a:p>
             <a:fld id="{66EFB5A5-89E6-4B43-AA3B-66BD37BAE431}" type="datetimeFigureOut">
               <a:rPr lang="zh-CN" altLang="en-US" smtClean="0"/>
-              <a:t>2018/2/27</a:t>
+              <a:t>2018/2/28</a:t>
             </a:fld>
             <a:endParaRPr lang="zh-CN" altLang="en-US"/>
           </a:p>
@@ -458,7 +462,7 @@
           <a:p>
             <a:fld id="{66EFB5A5-89E6-4B43-AA3B-66BD37BAE431}" type="datetimeFigureOut">
               <a:rPr lang="zh-CN" altLang="en-US" smtClean="0"/>
-              <a:t>2018/2/27</a:t>
+              <a:t>2018/2/28</a:t>
             </a:fld>
             <a:endParaRPr lang="zh-CN" altLang="en-US"/>
           </a:p>
@@ -666,7 +670,7 @@
           <a:p>
             <a:fld id="{66EFB5A5-89E6-4B43-AA3B-66BD37BAE431}" type="datetimeFigureOut">
               <a:rPr lang="zh-CN" altLang="en-US" smtClean="0"/>
-              <a:t>2018/2/27</a:t>
+              <a:t>2018/2/28</a:t>
             </a:fld>
             <a:endParaRPr lang="zh-CN" altLang="en-US"/>
           </a:p>
@@ -864,7 +868,7 @@
           <a:p>
             <a:fld id="{66EFB5A5-89E6-4B43-AA3B-66BD37BAE431}" type="datetimeFigureOut">
               <a:rPr lang="zh-CN" altLang="en-US" smtClean="0"/>
-              <a:t>2018/2/27</a:t>
+              <a:t>2018/2/28</a:t>
             </a:fld>
             <a:endParaRPr lang="zh-CN" altLang="en-US"/>
           </a:p>
@@ -1139,7 +1143,7 @@
           <a:p>
             <a:fld id="{66EFB5A5-89E6-4B43-AA3B-66BD37BAE431}" type="datetimeFigureOut">
               <a:rPr lang="zh-CN" altLang="en-US" smtClean="0"/>
-              <a:t>2018/2/27</a:t>
+              <a:t>2018/2/28</a:t>
             </a:fld>
             <a:endParaRPr lang="zh-CN" altLang="en-US"/>
           </a:p>
@@ -1404,7 +1408,7 @@
           <a:p>
             <a:fld id="{66EFB5A5-89E6-4B43-AA3B-66BD37BAE431}" type="datetimeFigureOut">
               <a:rPr lang="zh-CN" altLang="en-US" smtClean="0"/>
-              <a:t>2018/2/27</a:t>
+              <a:t>2018/2/28</a:t>
             </a:fld>
             <a:endParaRPr lang="zh-CN" altLang="en-US"/>
           </a:p>
@@ -1816,7 +1820,7 @@
           <a:p>
             <a:fld id="{66EFB5A5-89E6-4B43-AA3B-66BD37BAE431}" type="datetimeFigureOut">
               <a:rPr lang="zh-CN" altLang="en-US" smtClean="0"/>
-              <a:t>2018/2/27</a:t>
+              <a:t>2018/2/28</a:t>
             </a:fld>
             <a:endParaRPr lang="zh-CN" altLang="en-US"/>
           </a:p>
@@ -1957,7 +1961,7 @@
           <a:p>
             <a:fld id="{66EFB5A5-89E6-4B43-AA3B-66BD37BAE431}" type="datetimeFigureOut">
               <a:rPr lang="zh-CN" altLang="en-US" smtClean="0"/>
-              <a:t>2018/2/27</a:t>
+              <a:t>2018/2/28</a:t>
             </a:fld>
             <a:endParaRPr lang="zh-CN" altLang="en-US"/>
           </a:p>
@@ -2070,7 +2074,7 @@
           <a:p>
             <a:fld id="{66EFB5A5-89E6-4B43-AA3B-66BD37BAE431}" type="datetimeFigureOut">
               <a:rPr lang="zh-CN" altLang="en-US" smtClean="0"/>
-              <a:t>2018/2/27</a:t>
+              <a:t>2018/2/28</a:t>
             </a:fld>
             <a:endParaRPr lang="zh-CN" altLang="en-US"/>
           </a:p>
@@ -2381,7 +2385,7 @@
           <a:p>
             <a:fld id="{66EFB5A5-89E6-4B43-AA3B-66BD37BAE431}" type="datetimeFigureOut">
               <a:rPr lang="zh-CN" altLang="en-US" smtClean="0"/>
-              <a:t>2018/2/27</a:t>
+              <a:t>2018/2/28</a:t>
             </a:fld>
             <a:endParaRPr lang="zh-CN" altLang="en-US"/>
           </a:p>
@@ -2669,7 +2673,7 @@
           <a:p>
             <a:fld id="{66EFB5A5-89E6-4B43-AA3B-66BD37BAE431}" type="datetimeFigureOut">
               <a:rPr lang="zh-CN" altLang="en-US" smtClean="0"/>
-              <a:t>2018/2/27</a:t>
+              <a:t>2018/2/28</a:t>
             </a:fld>
             <a:endParaRPr lang="zh-CN" altLang="en-US"/>
           </a:p>
@@ -2910,7 +2914,7 @@
           <a:p>
             <a:fld id="{66EFB5A5-89E6-4B43-AA3B-66BD37BAE431}" type="datetimeFigureOut">
               <a:rPr lang="zh-CN" altLang="en-US" smtClean="0"/>
-              <a:t>2018/2/27</a:t>
+              <a:t>2018/2/28</a:t>
             </a:fld>
             <a:endParaRPr lang="zh-CN" altLang="en-US"/>
           </a:p>
@@ -3424,7 +3428,7 @@
           <a:graphicData uri="http://schemas.openxmlformats.org/presentationml/2006/ole">
             <mc:AlternateContent xmlns:mc="http://schemas.openxmlformats.org/markup-compatibility/2006">
               <mc:Choice xmlns:v="urn:schemas-microsoft-com:vml" Requires="v">
-                <p:oleObj spid="_x0000_s1029" r:id="rId3" imgW="10427387" imgH="2465132" progId="Visio.Drawing.11">
+                <p:oleObj spid="_x0000_s1034" r:id="rId3" imgW="10427387" imgH="2465132" progId="Visio.Drawing.11">
                   <p:embed/>
                 </p:oleObj>
               </mc:Choice>
@@ -3542,6 +3546,1140 @@
     <p:extLst>
       <p:ext uri="{BB962C8B-B14F-4D97-AF65-F5344CB8AC3E}">
         <p14:creationId xmlns:p14="http://schemas.microsoft.com/office/powerpoint/2010/main" val="3368187596"/>
+      </p:ext>
+    </p:extLst>
+  </p:cSld>
+  <p:clrMapOvr>
+    <a:masterClrMapping/>
+  </p:clrMapOvr>
+</p:sld>
+</file>
+
+<file path=ppt/slides/slide3.xml><?xml version="1.0" encoding="utf-8"?>
+<p:sld xmlns:a="http://schemas.openxmlformats.org/drawingml/2006/main" xmlns:r="http://schemas.openxmlformats.org/officeDocument/2006/relationships" xmlns:p="http://schemas.openxmlformats.org/presentationml/2006/main">
+  <p:cSld>
+    <p:spTree>
+      <p:nvGrpSpPr>
+        <p:cNvPr id="1" name=""/>
+        <p:cNvGrpSpPr/>
+        <p:nvPr/>
+      </p:nvGrpSpPr>
+      <p:grpSpPr>
+        <a:xfrm>
+          <a:off x="0" y="0"/>
+          <a:ext cx="0" cy="0"/>
+          <a:chOff x="0" y="0"/>
+          <a:chExt cx="0" cy="0"/>
+        </a:xfrm>
+      </p:grpSpPr>
+      <p:pic>
+        <p:nvPicPr>
+          <p:cNvPr id="4" name="图片 3">
+            <a:extLst>
+              <a:ext uri="{FF2B5EF4-FFF2-40B4-BE49-F238E27FC236}">
+                <a16:creationId xmlns:a16="http://schemas.microsoft.com/office/drawing/2014/main" id="{41CE858A-0A62-436E-987C-9EC85AB60012}"/>
+              </a:ext>
+            </a:extLst>
+          </p:cNvPr>
+          <p:cNvPicPr>
+            <a:picLocks noChangeAspect="1"/>
+          </p:cNvPicPr>
+          <p:nvPr/>
+        </p:nvPicPr>
+        <p:blipFill>
+          <a:blip r:embed="rId2"/>
+          <a:stretch>
+            <a:fillRect/>
+          </a:stretch>
+        </p:blipFill>
+        <p:spPr>
+          <a:xfrm>
+            <a:off x="2438857" y="1276619"/>
+            <a:ext cx="6941724" cy="4085494"/>
+          </a:xfrm>
+          <a:prstGeom prst="rect">
+            <a:avLst/>
+          </a:prstGeom>
+        </p:spPr>
+      </p:pic>
+    </p:spTree>
+    <p:extLst>
+      <p:ext uri="{BB962C8B-B14F-4D97-AF65-F5344CB8AC3E}">
+        <p14:creationId xmlns:p14="http://schemas.microsoft.com/office/powerpoint/2010/main" val="2925120454"/>
+      </p:ext>
+    </p:extLst>
+  </p:cSld>
+  <p:clrMapOvr>
+    <a:masterClrMapping/>
+  </p:clrMapOvr>
+</p:sld>
+</file>
+
+<file path=ppt/slides/slide4.xml><?xml version="1.0" encoding="utf-8"?>
+<p:sld xmlns:a="http://schemas.openxmlformats.org/drawingml/2006/main" xmlns:r="http://schemas.openxmlformats.org/officeDocument/2006/relationships" xmlns:p="http://schemas.openxmlformats.org/presentationml/2006/main">
+  <p:cSld>
+    <p:spTree>
+      <p:nvGrpSpPr>
+        <p:cNvPr id="1" name=""/>
+        <p:cNvGrpSpPr/>
+        <p:nvPr/>
+      </p:nvGrpSpPr>
+      <p:grpSpPr>
+        <a:xfrm>
+          <a:off x="0" y="0"/>
+          <a:ext cx="0" cy="0"/>
+          <a:chOff x="0" y="0"/>
+          <a:chExt cx="0" cy="0"/>
+        </a:xfrm>
+      </p:grpSpPr>
+      <p:sp>
+        <p:nvSpPr>
+          <p:cNvPr id="2" name="任意多边形: 形状 1">
+            <a:extLst>
+              <a:ext uri="{FF2B5EF4-FFF2-40B4-BE49-F238E27FC236}">
+                <a16:creationId xmlns:a16="http://schemas.microsoft.com/office/drawing/2014/main" id="{DB0A7913-452C-45C8-9632-1936559CC144}"/>
+              </a:ext>
+            </a:extLst>
+          </p:cNvPr>
+          <p:cNvSpPr/>
+          <p:nvPr/>
+        </p:nvSpPr>
+        <p:spPr>
+          <a:xfrm>
+            <a:off x="3000652" y="1926454"/>
+            <a:ext cx="5007006" cy="3334027"/>
+          </a:xfrm>
+          <a:custGeom>
+            <a:avLst/>
+            <a:gdLst>
+              <a:gd name="connsiteX0" fmla="*/ 0 w 5007006"/>
+              <a:gd name="connsiteY0" fmla="*/ 1669002 h 3334027"/>
+              <a:gd name="connsiteX1" fmla="*/ 701336 w 5007006"/>
+              <a:gd name="connsiteY1" fmla="*/ 177554 h 3334027"/>
+              <a:gd name="connsiteX2" fmla="*/ 1580226 w 5007006"/>
+              <a:gd name="connsiteY2" fmla="*/ 2734323 h 3334027"/>
+              <a:gd name="connsiteX3" fmla="*/ 2015231 w 5007006"/>
+              <a:gd name="connsiteY3" fmla="*/ 2192785 h 3334027"/>
+              <a:gd name="connsiteX4" fmla="*/ 2388094 w 5007006"/>
+              <a:gd name="connsiteY4" fmla="*/ 3320249 h 3334027"/>
+              <a:gd name="connsiteX5" fmla="*/ 2894121 w 5007006"/>
+              <a:gd name="connsiteY5" fmla="*/ 1269507 h 3334027"/>
+              <a:gd name="connsiteX6" fmla="*/ 3701989 w 5007006"/>
+              <a:gd name="connsiteY6" fmla="*/ 3089429 h 3334027"/>
+              <a:gd name="connsiteX7" fmla="*/ 4003830 w 5007006"/>
+              <a:gd name="connsiteY7" fmla="*/ 1961965 h 3334027"/>
+              <a:gd name="connsiteX8" fmla="*/ 4385569 w 5007006"/>
+              <a:gd name="connsiteY8" fmla="*/ 2539014 h 3334027"/>
+              <a:gd name="connsiteX9" fmla="*/ 4864964 w 5007006"/>
+              <a:gd name="connsiteY9" fmla="*/ 408373 h 3334027"/>
+              <a:gd name="connsiteX10" fmla="*/ 5007006 w 5007006"/>
+              <a:gd name="connsiteY10" fmla="*/ 0 h 3334027"/>
+            </a:gdLst>
+            <a:ahLst/>
+            <a:cxnLst>
+              <a:cxn ang="0">
+                <a:pos x="connsiteX0" y="connsiteY0"/>
+              </a:cxn>
+              <a:cxn ang="0">
+                <a:pos x="connsiteX1" y="connsiteY1"/>
+              </a:cxn>
+              <a:cxn ang="0">
+                <a:pos x="connsiteX2" y="connsiteY2"/>
+              </a:cxn>
+              <a:cxn ang="0">
+                <a:pos x="connsiteX3" y="connsiteY3"/>
+              </a:cxn>
+              <a:cxn ang="0">
+                <a:pos x="connsiteX4" y="connsiteY4"/>
+              </a:cxn>
+              <a:cxn ang="0">
+                <a:pos x="connsiteX5" y="connsiteY5"/>
+              </a:cxn>
+              <a:cxn ang="0">
+                <a:pos x="connsiteX6" y="connsiteY6"/>
+              </a:cxn>
+              <a:cxn ang="0">
+                <a:pos x="connsiteX7" y="connsiteY7"/>
+              </a:cxn>
+              <a:cxn ang="0">
+                <a:pos x="connsiteX8" y="connsiteY8"/>
+              </a:cxn>
+              <a:cxn ang="0">
+                <a:pos x="connsiteX9" y="connsiteY9"/>
+              </a:cxn>
+              <a:cxn ang="0">
+                <a:pos x="connsiteX10" y="connsiteY10"/>
+              </a:cxn>
+            </a:cxnLst>
+            <a:rect l="l" t="t" r="r" b="b"/>
+            <a:pathLst>
+              <a:path w="5007006" h="3334027">
+                <a:moveTo>
+                  <a:pt x="0" y="1669002"/>
+                </a:moveTo>
+                <a:cubicBezTo>
+                  <a:pt x="218982" y="834501"/>
+                  <a:pt x="437965" y="1"/>
+                  <a:pt x="701336" y="177554"/>
+                </a:cubicBezTo>
+                <a:cubicBezTo>
+                  <a:pt x="964707" y="355107"/>
+                  <a:pt x="1361244" y="2398451"/>
+                  <a:pt x="1580226" y="2734323"/>
+                </a:cubicBezTo>
+                <a:cubicBezTo>
+                  <a:pt x="1799208" y="3070195"/>
+                  <a:pt x="1880586" y="2095131"/>
+                  <a:pt x="2015231" y="2192785"/>
+                </a:cubicBezTo>
+                <a:cubicBezTo>
+                  <a:pt x="2149876" y="2290439"/>
+                  <a:pt x="2241612" y="3474129"/>
+                  <a:pt x="2388094" y="3320249"/>
+                </a:cubicBezTo>
+                <a:cubicBezTo>
+                  <a:pt x="2534576" y="3166369"/>
+                  <a:pt x="2675139" y="1307977"/>
+                  <a:pt x="2894121" y="1269507"/>
+                </a:cubicBezTo>
+                <a:cubicBezTo>
+                  <a:pt x="3113103" y="1231037"/>
+                  <a:pt x="3517038" y="2974019"/>
+                  <a:pt x="3701989" y="3089429"/>
+                </a:cubicBezTo>
+                <a:cubicBezTo>
+                  <a:pt x="3886940" y="3204839"/>
+                  <a:pt x="3889900" y="2053701"/>
+                  <a:pt x="4003830" y="1961965"/>
+                </a:cubicBezTo>
+                <a:cubicBezTo>
+                  <a:pt x="4117760" y="1870229"/>
+                  <a:pt x="4242047" y="2797946"/>
+                  <a:pt x="4385569" y="2539014"/>
+                </a:cubicBezTo>
+                <a:cubicBezTo>
+                  <a:pt x="4529091" y="2280082"/>
+                  <a:pt x="4761391" y="831542"/>
+                  <a:pt x="4864964" y="408373"/>
+                </a:cubicBezTo>
+                <a:cubicBezTo>
+                  <a:pt x="4968537" y="-14796"/>
+                  <a:pt x="4975934" y="36990"/>
+                  <a:pt x="5007006" y="0"/>
+                </a:cubicBezTo>
+              </a:path>
+            </a:pathLst>
+          </a:custGeom>
+          <a:noFill/>
+          <a:ln w="15875"/>
+        </p:spPr>
+        <p:style>
+          <a:lnRef idx="2">
+            <a:schemeClr val="accent1">
+              <a:shade val="50000"/>
+            </a:schemeClr>
+          </a:lnRef>
+          <a:fillRef idx="1">
+            <a:schemeClr val="accent1"/>
+          </a:fillRef>
+          <a:effectRef idx="0">
+            <a:schemeClr val="accent1"/>
+          </a:effectRef>
+          <a:fontRef idx="minor">
+            <a:schemeClr val="lt1"/>
+          </a:fontRef>
+        </p:style>
+        <p:txBody>
+          <a:bodyPr rtlCol="0" anchor="ctr"/>
+          <a:lstStyle/>
+          <a:p>
+            <a:pPr algn="ctr"/>
+            <a:endParaRPr lang="zh-CN" altLang="en-US"/>
+          </a:p>
+        </p:txBody>
+      </p:sp>
+      <p:sp>
+        <p:nvSpPr>
+          <p:cNvPr id="3" name="矩形 2">
+            <a:extLst>
+              <a:ext uri="{FF2B5EF4-FFF2-40B4-BE49-F238E27FC236}">
+                <a16:creationId xmlns:a16="http://schemas.microsoft.com/office/drawing/2014/main" id="{A9EEF4EB-28AB-4433-A79C-E0A5DE86692E}"/>
+              </a:ext>
+            </a:extLst>
+          </p:cNvPr>
+          <p:cNvSpPr/>
+          <p:nvPr/>
+        </p:nvSpPr>
+        <p:spPr>
+          <a:xfrm>
+            <a:off x="4625267" y="4119239"/>
+            <a:ext cx="106531" cy="603682"/>
+          </a:xfrm>
+          <a:prstGeom prst="rect">
+            <a:avLst/>
+          </a:prstGeom>
+        </p:spPr>
+        <p:style>
+          <a:lnRef idx="2">
+            <a:schemeClr val="accent1">
+              <a:shade val="50000"/>
+            </a:schemeClr>
+          </a:lnRef>
+          <a:fillRef idx="1">
+            <a:schemeClr val="accent1"/>
+          </a:fillRef>
+          <a:effectRef idx="0">
+            <a:schemeClr val="accent1"/>
+          </a:effectRef>
+          <a:fontRef idx="minor">
+            <a:schemeClr val="lt1"/>
+          </a:fontRef>
+        </p:style>
+        <p:txBody>
+          <a:bodyPr rtlCol="0" anchor="ctr"/>
+          <a:lstStyle/>
+          <a:p>
+            <a:pPr algn="ctr"/>
+            <a:endParaRPr lang="zh-CN" altLang="en-US"/>
+          </a:p>
+        </p:txBody>
+      </p:sp>
+      <p:sp>
+        <p:nvSpPr>
+          <p:cNvPr id="4" name="矩形 3">
+            <a:extLst>
+              <a:ext uri="{FF2B5EF4-FFF2-40B4-BE49-F238E27FC236}">
+                <a16:creationId xmlns:a16="http://schemas.microsoft.com/office/drawing/2014/main" id="{B9D3BD92-11CE-4832-A634-BFF30FE28534}"/>
+              </a:ext>
+            </a:extLst>
+          </p:cNvPr>
+          <p:cNvSpPr/>
+          <p:nvPr/>
+        </p:nvSpPr>
+        <p:spPr>
+          <a:xfrm>
+            <a:off x="5294273" y="4119239"/>
+            <a:ext cx="106536" cy="1141242"/>
+          </a:xfrm>
+          <a:prstGeom prst="rect">
+            <a:avLst/>
+          </a:prstGeom>
+        </p:spPr>
+        <p:style>
+          <a:lnRef idx="2">
+            <a:schemeClr val="accent1">
+              <a:shade val="50000"/>
+            </a:schemeClr>
+          </a:lnRef>
+          <a:fillRef idx="1">
+            <a:schemeClr val="accent1"/>
+          </a:fillRef>
+          <a:effectRef idx="0">
+            <a:schemeClr val="accent1"/>
+          </a:effectRef>
+          <a:fontRef idx="minor">
+            <a:schemeClr val="lt1"/>
+          </a:fontRef>
+        </p:style>
+        <p:txBody>
+          <a:bodyPr rtlCol="0" anchor="ctr"/>
+          <a:lstStyle/>
+          <a:p>
+            <a:pPr algn="ctr"/>
+            <a:endParaRPr lang="zh-CN" altLang="en-US"/>
+          </a:p>
+        </p:txBody>
+      </p:sp>
+      <p:sp>
+        <p:nvSpPr>
+          <p:cNvPr id="5" name="矩形 4">
+            <a:extLst>
+              <a:ext uri="{FF2B5EF4-FFF2-40B4-BE49-F238E27FC236}">
+                <a16:creationId xmlns:a16="http://schemas.microsoft.com/office/drawing/2014/main" id="{77B702A6-4B29-40A7-8EC3-E4D8306AA444}"/>
+              </a:ext>
+            </a:extLst>
+          </p:cNvPr>
+          <p:cNvSpPr/>
+          <p:nvPr/>
+        </p:nvSpPr>
+        <p:spPr>
+          <a:xfrm>
+            <a:off x="6667130" y="3852909"/>
+            <a:ext cx="106531" cy="1141243"/>
+          </a:xfrm>
+          <a:prstGeom prst="rect">
+            <a:avLst/>
+          </a:prstGeom>
+        </p:spPr>
+        <p:style>
+          <a:lnRef idx="2">
+            <a:schemeClr val="accent1">
+              <a:shade val="50000"/>
+            </a:schemeClr>
+          </a:lnRef>
+          <a:fillRef idx="1">
+            <a:schemeClr val="accent1"/>
+          </a:fillRef>
+          <a:effectRef idx="0">
+            <a:schemeClr val="accent1"/>
+          </a:effectRef>
+          <a:fontRef idx="minor">
+            <a:schemeClr val="lt1"/>
+          </a:fontRef>
+        </p:style>
+        <p:txBody>
+          <a:bodyPr rtlCol="0" anchor="ctr"/>
+          <a:lstStyle/>
+          <a:p>
+            <a:pPr algn="ctr"/>
+            <a:endParaRPr lang="zh-CN" altLang="en-US"/>
+          </a:p>
+        </p:txBody>
+      </p:sp>
+      <p:sp>
+        <p:nvSpPr>
+          <p:cNvPr id="6" name="矩形 5">
+            <a:extLst>
+              <a:ext uri="{FF2B5EF4-FFF2-40B4-BE49-F238E27FC236}">
+                <a16:creationId xmlns:a16="http://schemas.microsoft.com/office/drawing/2014/main" id="{F341644F-5D68-4427-8CFB-EDC856781C28}"/>
+              </a:ext>
+            </a:extLst>
+          </p:cNvPr>
+          <p:cNvSpPr/>
+          <p:nvPr/>
+        </p:nvSpPr>
+        <p:spPr>
+          <a:xfrm>
+            <a:off x="7284128" y="3852909"/>
+            <a:ext cx="106531" cy="667305"/>
+          </a:xfrm>
+          <a:prstGeom prst="rect">
+            <a:avLst/>
+          </a:prstGeom>
+        </p:spPr>
+        <p:style>
+          <a:lnRef idx="2">
+            <a:schemeClr val="accent1">
+              <a:shade val="50000"/>
+            </a:schemeClr>
+          </a:lnRef>
+          <a:fillRef idx="1">
+            <a:schemeClr val="accent1"/>
+          </a:fillRef>
+          <a:effectRef idx="0">
+            <a:schemeClr val="accent1"/>
+          </a:effectRef>
+          <a:fontRef idx="minor">
+            <a:schemeClr val="lt1"/>
+          </a:fontRef>
+        </p:style>
+        <p:txBody>
+          <a:bodyPr rtlCol="0" anchor="ctr"/>
+          <a:lstStyle/>
+          <a:p>
+            <a:pPr algn="ctr"/>
+            <a:endParaRPr lang="zh-CN" altLang="en-US"/>
+          </a:p>
+        </p:txBody>
+      </p:sp>
+      <p:sp>
+        <p:nvSpPr>
+          <p:cNvPr id="7" name="矩形 6">
+            <a:extLst>
+              <a:ext uri="{FF2B5EF4-FFF2-40B4-BE49-F238E27FC236}">
+                <a16:creationId xmlns:a16="http://schemas.microsoft.com/office/drawing/2014/main" id="{A366D4BC-FECB-4571-BDA5-41610426C620}"/>
+              </a:ext>
+            </a:extLst>
+          </p:cNvPr>
+          <p:cNvSpPr/>
+          <p:nvPr/>
+        </p:nvSpPr>
+        <p:spPr>
+          <a:xfrm>
+            <a:off x="4907873" y="3169328"/>
+            <a:ext cx="193829" cy="949911"/>
+          </a:xfrm>
+          <a:prstGeom prst="rect">
+            <a:avLst/>
+          </a:prstGeom>
+        </p:spPr>
+        <p:style>
+          <a:lnRef idx="2">
+            <a:schemeClr val="accent1">
+              <a:shade val="50000"/>
+            </a:schemeClr>
+          </a:lnRef>
+          <a:fillRef idx="1">
+            <a:schemeClr val="accent1"/>
+          </a:fillRef>
+          <a:effectRef idx="0">
+            <a:schemeClr val="accent1"/>
+          </a:effectRef>
+          <a:fontRef idx="minor">
+            <a:schemeClr val="lt1"/>
+          </a:fontRef>
+        </p:style>
+        <p:txBody>
+          <a:bodyPr rtlCol="0" anchor="ctr"/>
+          <a:lstStyle/>
+          <a:p>
+            <a:pPr algn="ctr"/>
+            <a:endParaRPr lang="zh-CN" altLang="en-US"/>
+          </a:p>
+        </p:txBody>
+      </p:sp>
+      <p:sp>
+        <p:nvSpPr>
+          <p:cNvPr id="8" name="矩形 7">
+            <a:extLst>
+              <a:ext uri="{FF2B5EF4-FFF2-40B4-BE49-F238E27FC236}">
+                <a16:creationId xmlns:a16="http://schemas.microsoft.com/office/drawing/2014/main" id="{E5045A64-3527-4B0C-B693-9F568F6345E8}"/>
+              </a:ext>
+            </a:extLst>
+          </p:cNvPr>
+          <p:cNvSpPr/>
+          <p:nvPr/>
+        </p:nvSpPr>
+        <p:spPr>
+          <a:xfrm>
+            <a:off x="6931980" y="3169328"/>
+            <a:ext cx="193829" cy="734627"/>
+          </a:xfrm>
+          <a:prstGeom prst="rect">
+            <a:avLst/>
+          </a:prstGeom>
+        </p:spPr>
+        <p:style>
+          <a:lnRef idx="2">
+            <a:schemeClr val="accent1">
+              <a:shade val="50000"/>
+            </a:schemeClr>
+          </a:lnRef>
+          <a:fillRef idx="1">
+            <a:schemeClr val="accent1"/>
+          </a:fillRef>
+          <a:effectRef idx="0">
+            <a:schemeClr val="accent1"/>
+          </a:effectRef>
+          <a:fontRef idx="minor">
+            <a:schemeClr val="lt1"/>
+          </a:fontRef>
+        </p:style>
+        <p:txBody>
+          <a:bodyPr rtlCol="0" anchor="ctr"/>
+          <a:lstStyle/>
+          <a:p>
+            <a:pPr algn="ctr"/>
+            <a:endParaRPr lang="zh-CN" altLang="en-US"/>
+          </a:p>
+        </p:txBody>
+      </p:sp>
+      <p:sp>
+        <p:nvSpPr>
+          <p:cNvPr id="9" name="矩形 8">
+            <a:extLst>
+              <a:ext uri="{FF2B5EF4-FFF2-40B4-BE49-F238E27FC236}">
+                <a16:creationId xmlns:a16="http://schemas.microsoft.com/office/drawing/2014/main" id="{F336E651-0F17-459F-B174-F64F9C2956B5}"/>
+              </a:ext>
+            </a:extLst>
+          </p:cNvPr>
+          <p:cNvSpPr/>
+          <p:nvPr/>
+        </p:nvSpPr>
+        <p:spPr>
+          <a:xfrm>
+            <a:off x="5655076" y="2086253"/>
+            <a:ext cx="523782" cy="1083075"/>
+          </a:xfrm>
+          <a:prstGeom prst="rect">
+            <a:avLst/>
+          </a:prstGeom>
+        </p:spPr>
+        <p:style>
+          <a:lnRef idx="2">
+            <a:schemeClr val="accent1">
+              <a:shade val="50000"/>
+            </a:schemeClr>
+          </a:lnRef>
+          <a:fillRef idx="1">
+            <a:schemeClr val="accent1"/>
+          </a:fillRef>
+          <a:effectRef idx="0">
+            <a:schemeClr val="accent1"/>
+          </a:effectRef>
+          <a:fontRef idx="minor">
+            <a:schemeClr val="lt1"/>
+          </a:fontRef>
+        </p:style>
+        <p:txBody>
+          <a:bodyPr rtlCol="0" anchor="ctr"/>
+          <a:lstStyle/>
+          <a:p>
+            <a:pPr algn="ctr"/>
+            <a:endParaRPr lang="zh-CN" altLang="en-US"/>
+          </a:p>
+        </p:txBody>
+      </p:sp>
+      <p:cxnSp>
+        <p:nvCxnSpPr>
+          <p:cNvPr id="11" name="直接连接符 10">
+            <a:extLst>
+              <a:ext uri="{FF2B5EF4-FFF2-40B4-BE49-F238E27FC236}">
+                <a16:creationId xmlns:a16="http://schemas.microsoft.com/office/drawing/2014/main" id="{C71E8AC3-2425-441B-8AE2-4E65AE6D191A}"/>
+              </a:ext>
+            </a:extLst>
+          </p:cNvPr>
+          <p:cNvCxnSpPr>
+            <a:cxnSpLocks/>
+            <a:stCxn id="3" idx="0"/>
+            <a:endCxn id="7" idx="1"/>
+          </p:cNvCxnSpPr>
+          <p:nvPr/>
+        </p:nvCxnSpPr>
+        <p:spPr>
+          <a:xfrm flipV="1">
+            <a:off x="4678533" y="3644284"/>
+            <a:ext cx="229340" cy="474955"/>
+          </a:xfrm>
+          <a:prstGeom prst="line">
+            <a:avLst/>
+          </a:prstGeom>
+          <a:ln w="25400"/>
+        </p:spPr>
+        <p:style>
+          <a:lnRef idx="1">
+            <a:schemeClr val="accent1"/>
+          </a:lnRef>
+          <a:fillRef idx="0">
+            <a:schemeClr val="accent1"/>
+          </a:fillRef>
+          <a:effectRef idx="0">
+            <a:schemeClr val="accent1"/>
+          </a:effectRef>
+          <a:fontRef idx="minor">
+            <a:schemeClr val="tx1"/>
+          </a:fontRef>
+        </p:style>
+      </p:cxnSp>
+      <p:cxnSp>
+        <p:nvCxnSpPr>
+          <p:cNvPr id="13" name="直接连接符 12">
+            <a:extLst>
+              <a:ext uri="{FF2B5EF4-FFF2-40B4-BE49-F238E27FC236}">
+                <a16:creationId xmlns:a16="http://schemas.microsoft.com/office/drawing/2014/main" id="{63FAB6E3-6199-4A7C-81C6-3BB17C8F1A56}"/>
+              </a:ext>
+            </a:extLst>
+          </p:cNvPr>
+          <p:cNvCxnSpPr>
+            <a:cxnSpLocks/>
+            <a:stCxn id="4" idx="0"/>
+            <a:endCxn id="7" idx="3"/>
+          </p:cNvCxnSpPr>
+          <p:nvPr/>
+        </p:nvCxnSpPr>
+        <p:spPr>
+          <a:xfrm flipH="1" flipV="1">
+            <a:off x="5101702" y="3644284"/>
+            <a:ext cx="245839" cy="474955"/>
+          </a:xfrm>
+          <a:prstGeom prst="line">
+            <a:avLst/>
+          </a:prstGeom>
+          <a:ln w="25400"/>
+        </p:spPr>
+        <p:style>
+          <a:lnRef idx="1">
+            <a:schemeClr val="accent1"/>
+          </a:lnRef>
+          <a:fillRef idx="0">
+            <a:schemeClr val="accent1"/>
+          </a:fillRef>
+          <a:effectRef idx="0">
+            <a:schemeClr val="accent1"/>
+          </a:effectRef>
+          <a:fontRef idx="minor">
+            <a:schemeClr val="tx1"/>
+          </a:fontRef>
+        </p:style>
+      </p:cxnSp>
+      <p:cxnSp>
+        <p:nvCxnSpPr>
+          <p:cNvPr id="15" name="直接连接符 14">
+            <a:extLst>
+              <a:ext uri="{FF2B5EF4-FFF2-40B4-BE49-F238E27FC236}">
+                <a16:creationId xmlns:a16="http://schemas.microsoft.com/office/drawing/2014/main" id="{61836FEF-6220-468F-8B33-70DC4A2E54E6}"/>
+              </a:ext>
+            </a:extLst>
+          </p:cNvPr>
+          <p:cNvCxnSpPr>
+            <a:cxnSpLocks/>
+            <a:stCxn id="5" idx="0"/>
+            <a:endCxn id="8" idx="1"/>
+          </p:cNvCxnSpPr>
+          <p:nvPr/>
+        </p:nvCxnSpPr>
+        <p:spPr>
+          <a:xfrm flipV="1">
+            <a:off x="6720396" y="3536642"/>
+            <a:ext cx="211584" cy="316267"/>
+          </a:xfrm>
+          <a:prstGeom prst="line">
+            <a:avLst/>
+          </a:prstGeom>
+          <a:ln w="25400"/>
+        </p:spPr>
+        <p:style>
+          <a:lnRef idx="1">
+            <a:schemeClr val="accent1"/>
+          </a:lnRef>
+          <a:fillRef idx="0">
+            <a:schemeClr val="accent1"/>
+          </a:fillRef>
+          <a:effectRef idx="0">
+            <a:schemeClr val="accent1"/>
+          </a:effectRef>
+          <a:fontRef idx="minor">
+            <a:schemeClr val="tx1"/>
+          </a:fontRef>
+        </p:style>
+      </p:cxnSp>
+      <p:cxnSp>
+        <p:nvCxnSpPr>
+          <p:cNvPr id="19" name="直接连接符 18">
+            <a:extLst>
+              <a:ext uri="{FF2B5EF4-FFF2-40B4-BE49-F238E27FC236}">
+                <a16:creationId xmlns:a16="http://schemas.microsoft.com/office/drawing/2014/main" id="{2064385D-864A-4F7A-A6AD-A4B74C48383E}"/>
+              </a:ext>
+            </a:extLst>
+          </p:cNvPr>
+          <p:cNvCxnSpPr>
+            <a:stCxn id="6" idx="0"/>
+            <a:endCxn id="8" idx="3"/>
+          </p:cNvCxnSpPr>
+          <p:nvPr/>
+        </p:nvCxnSpPr>
+        <p:spPr>
+          <a:xfrm flipH="1" flipV="1">
+            <a:off x="7125809" y="3536642"/>
+            <a:ext cx="211585" cy="316267"/>
+          </a:xfrm>
+          <a:prstGeom prst="line">
+            <a:avLst/>
+          </a:prstGeom>
+          <a:ln w="25400"/>
+        </p:spPr>
+        <p:style>
+          <a:lnRef idx="1">
+            <a:schemeClr val="accent1"/>
+          </a:lnRef>
+          <a:fillRef idx="0">
+            <a:schemeClr val="accent1"/>
+          </a:fillRef>
+          <a:effectRef idx="0">
+            <a:schemeClr val="accent1"/>
+          </a:effectRef>
+          <a:fontRef idx="minor">
+            <a:schemeClr val="tx1"/>
+          </a:fontRef>
+        </p:style>
+      </p:cxnSp>
+      <p:cxnSp>
+        <p:nvCxnSpPr>
+          <p:cNvPr id="21" name="直接连接符 20">
+            <a:extLst>
+              <a:ext uri="{FF2B5EF4-FFF2-40B4-BE49-F238E27FC236}">
+                <a16:creationId xmlns:a16="http://schemas.microsoft.com/office/drawing/2014/main" id="{EA318D76-8549-4F6D-A314-215357D1A3D4}"/>
+              </a:ext>
+            </a:extLst>
+          </p:cNvPr>
+          <p:cNvCxnSpPr>
+            <a:stCxn id="7" idx="0"/>
+            <a:endCxn id="9" idx="1"/>
+          </p:cNvCxnSpPr>
+          <p:nvPr/>
+        </p:nvCxnSpPr>
+        <p:spPr>
+          <a:xfrm flipV="1">
+            <a:off x="5004788" y="2627791"/>
+            <a:ext cx="650288" cy="541537"/>
+          </a:xfrm>
+          <a:prstGeom prst="line">
+            <a:avLst/>
+          </a:prstGeom>
+          <a:ln w="25400"/>
+        </p:spPr>
+        <p:style>
+          <a:lnRef idx="1">
+            <a:schemeClr val="accent1"/>
+          </a:lnRef>
+          <a:fillRef idx="0">
+            <a:schemeClr val="accent1"/>
+          </a:fillRef>
+          <a:effectRef idx="0">
+            <a:schemeClr val="accent1"/>
+          </a:effectRef>
+          <a:fontRef idx="minor">
+            <a:schemeClr val="tx1"/>
+          </a:fontRef>
+        </p:style>
+      </p:cxnSp>
+      <p:cxnSp>
+        <p:nvCxnSpPr>
+          <p:cNvPr id="23" name="直接连接符 22">
+            <a:extLst>
+              <a:ext uri="{FF2B5EF4-FFF2-40B4-BE49-F238E27FC236}">
+                <a16:creationId xmlns:a16="http://schemas.microsoft.com/office/drawing/2014/main" id="{41A2FBE7-7834-4D9D-A385-A1666B174CBE}"/>
+              </a:ext>
+            </a:extLst>
+          </p:cNvPr>
+          <p:cNvCxnSpPr>
+            <a:stCxn id="8" idx="0"/>
+            <a:endCxn id="9" idx="3"/>
+          </p:cNvCxnSpPr>
+          <p:nvPr/>
+        </p:nvCxnSpPr>
+        <p:spPr>
+          <a:xfrm flipH="1" flipV="1">
+            <a:off x="6178858" y="2627791"/>
+            <a:ext cx="850037" cy="541537"/>
+          </a:xfrm>
+          <a:prstGeom prst="line">
+            <a:avLst/>
+          </a:prstGeom>
+          <a:ln w="25400"/>
+        </p:spPr>
+        <p:style>
+          <a:lnRef idx="1">
+            <a:schemeClr val="accent1"/>
+          </a:lnRef>
+          <a:fillRef idx="0">
+            <a:schemeClr val="accent1"/>
+          </a:fillRef>
+          <a:effectRef idx="0">
+            <a:schemeClr val="accent1"/>
+          </a:effectRef>
+          <a:fontRef idx="minor">
+            <a:schemeClr val="tx1"/>
+          </a:fontRef>
+        </p:style>
+      </p:cxnSp>
+      <p:sp>
+        <p:nvSpPr>
+          <p:cNvPr id="24" name="箭头: 上 23">
+            <a:extLst>
+              <a:ext uri="{FF2B5EF4-FFF2-40B4-BE49-F238E27FC236}">
+                <a16:creationId xmlns:a16="http://schemas.microsoft.com/office/drawing/2014/main" id="{FB144C2C-1987-44F6-905B-868D3A1FE3F1}"/>
+              </a:ext>
+            </a:extLst>
+          </p:cNvPr>
+          <p:cNvSpPr/>
+          <p:nvPr/>
+        </p:nvSpPr>
+        <p:spPr>
+          <a:xfrm>
+            <a:off x="2999123" y="1773382"/>
+            <a:ext cx="325835" cy="3487099"/>
+          </a:xfrm>
+          <a:prstGeom prst="upArrow">
+            <a:avLst/>
+          </a:prstGeom>
+        </p:spPr>
+        <p:style>
+          <a:lnRef idx="2">
+            <a:schemeClr val="accent1">
+              <a:shade val="50000"/>
+            </a:schemeClr>
+          </a:lnRef>
+          <a:fillRef idx="1">
+            <a:schemeClr val="accent1"/>
+          </a:fillRef>
+          <a:effectRef idx="0">
+            <a:schemeClr val="accent1"/>
+          </a:effectRef>
+          <a:fontRef idx="minor">
+            <a:schemeClr val="lt1"/>
+          </a:fontRef>
+        </p:style>
+        <p:txBody>
+          <a:bodyPr rtlCol="0" anchor="ctr"/>
+          <a:lstStyle/>
+          <a:p>
+            <a:pPr algn="ctr"/>
+            <a:endParaRPr lang="zh-CN" altLang="en-US"/>
+          </a:p>
+        </p:txBody>
+      </p:sp>
+      <p:sp>
+        <p:nvSpPr>
+          <p:cNvPr id="25" name="文本框 24">
+            <a:extLst>
+              <a:ext uri="{FF2B5EF4-FFF2-40B4-BE49-F238E27FC236}">
+                <a16:creationId xmlns:a16="http://schemas.microsoft.com/office/drawing/2014/main" id="{962A9C3C-B6DD-411D-B76F-F8F05DCD55F9}"/>
+              </a:ext>
+            </a:extLst>
+          </p:cNvPr>
+          <p:cNvSpPr txBox="1"/>
+          <p:nvPr/>
+        </p:nvSpPr>
+        <p:spPr>
+          <a:xfrm>
+            <a:off x="3324958" y="4952704"/>
+            <a:ext cx="992365" cy="307777"/>
+          </a:xfrm>
+          <a:prstGeom prst="rect">
+            <a:avLst/>
+          </a:prstGeom>
+          <a:noFill/>
+        </p:spPr>
+        <p:txBody>
+          <a:bodyPr wrap="square" rtlCol="0">
+            <a:spAutoFit/>
+          </a:bodyPr>
+          <a:lstStyle/>
+          <a:p>
+            <a:r>
+              <a:rPr lang="zh-CN" altLang="en-US" sz="1400" b="1" dirty="0"/>
+              <a:t>灰度值</a:t>
+            </a:r>
+            <a:r>
+              <a:rPr lang="en-US" altLang="zh-CN" sz="1400" b="1" dirty="0"/>
+              <a:t>0</a:t>
+            </a:r>
+            <a:endParaRPr lang="zh-CN" altLang="en-US" sz="1400" b="1" dirty="0"/>
+          </a:p>
+        </p:txBody>
+      </p:sp>
+      <p:sp>
+        <p:nvSpPr>
+          <p:cNvPr id="26" name="文本框 25">
+            <a:extLst>
+              <a:ext uri="{FF2B5EF4-FFF2-40B4-BE49-F238E27FC236}">
+                <a16:creationId xmlns:a16="http://schemas.microsoft.com/office/drawing/2014/main" id="{48C3EB1D-22E9-4A0F-AB37-FAC6CE0E7802}"/>
+              </a:ext>
+            </a:extLst>
+          </p:cNvPr>
+          <p:cNvSpPr txBox="1"/>
+          <p:nvPr/>
+        </p:nvSpPr>
+        <p:spPr>
+          <a:xfrm>
+            <a:off x="3314109" y="1729302"/>
+            <a:ext cx="1091636" cy="307777"/>
+          </a:xfrm>
+          <a:prstGeom prst="rect">
+            <a:avLst/>
+          </a:prstGeom>
+          <a:noFill/>
+        </p:spPr>
+        <p:txBody>
+          <a:bodyPr wrap="square" rtlCol="0">
+            <a:spAutoFit/>
+          </a:bodyPr>
+          <a:lstStyle/>
+          <a:p>
+            <a:r>
+              <a:rPr lang="zh-CN" altLang="en-US" sz="1400" b="1" dirty="0"/>
+              <a:t>灰度值</a:t>
+            </a:r>
+            <a:r>
+              <a:rPr lang="en-US" altLang="zh-CN" sz="1400" b="1" dirty="0"/>
+              <a:t>255</a:t>
+            </a:r>
+            <a:endParaRPr lang="zh-CN" altLang="en-US" sz="1400" b="1" dirty="0"/>
+          </a:p>
+        </p:txBody>
+      </p:sp>
+    </p:spTree>
+    <p:extLst>
+      <p:ext uri="{BB962C8B-B14F-4D97-AF65-F5344CB8AC3E}">
+        <p14:creationId xmlns:p14="http://schemas.microsoft.com/office/powerpoint/2010/main" val="775082681"/>
+      </p:ext>
+    </p:extLst>
+  </p:cSld>
+  <p:clrMapOvr>
+    <a:masterClrMapping/>
+  </p:clrMapOvr>
+</p:sld>
+</file>
+
+<file path=ppt/slides/slide5.xml><?xml version="1.0" encoding="utf-8"?>
+<p:sld xmlns:a="http://schemas.openxmlformats.org/drawingml/2006/main" xmlns:r="http://schemas.openxmlformats.org/officeDocument/2006/relationships" xmlns:p="http://schemas.openxmlformats.org/presentationml/2006/main">
+  <p:cSld>
+    <p:spTree>
+      <p:nvGrpSpPr>
+        <p:cNvPr id="1" name=""/>
+        <p:cNvGrpSpPr/>
+        <p:nvPr/>
+      </p:nvGrpSpPr>
+      <p:grpSpPr>
+        <a:xfrm>
+          <a:off x="0" y="0"/>
+          <a:ext cx="0" cy="0"/>
+          <a:chOff x="0" y="0"/>
+          <a:chExt cx="0" cy="0"/>
+        </a:xfrm>
+      </p:grpSpPr>
+      <p:pic>
+        <p:nvPicPr>
+          <p:cNvPr id="2" name="图片 1">
+            <a:extLst>
+              <a:ext uri="{FF2B5EF4-FFF2-40B4-BE49-F238E27FC236}">
+                <a16:creationId xmlns:a16="http://schemas.microsoft.com/office/drawing/2014/main" id="{8D3E8884-8259-413F-A7FA-A99FDB9802DA}"/>
+              </a:ext>
+            </a:extLst>
+          </p:cNvPr>
+          <p:cNvPicPr>
+            <a:picLocks noChangeAspect="1"/>
+          </p:cNvPicPr>
+          <p:nvPr/>
+        </p:nvPicPr>
+        <p:blipFill>
+          <a:blip r:embed="rId2"/>
+          <a:stretch>
+            <a:fillRect/>
+          </a:stretch>
+        </p:blipFill>
+        <p:spPr>
+          <a:xfrm>
+            <a:off x="3453143" y="1576619"/>
+            <a:ext cx="5285714" cy="3704762"/>
+          </a:xfrm>
+          <a:prstGeom prst="rect">
+            <a:avLst/>
+          </a:prstGeom>
+        </p:spPr>
+      </p:pic>
+    </p:spTree>
+    <p:extLst>
+      <p:ext uri="{BB962C8B-B14F-4D97-AF65-F5344CB8AC3E}">
+        <p14:creationId xmlns:p14="http://schemas.microsoft.com/office/powerpoint/2010/main" val="167364363"/>
+      </p:ext>
+    </p:extLst>
+  </p:cSld>
+  <p:clrMapOvr>
+    <a:masterClrMapping/>
+  </p:clrMapOvr>
+</p:sld>
+</file>
+
+<file path=ppt/slides/slide6.xml><?xml version="1.0" encoding="utf-8"?>
+<p:sld xmlns:a="http://schemas.openxmlformats.org/drawingml/2006/main" xmlns:r="http://schemas.openxmlformats.org/officeDocument/2006/relationships" xmlns:p="http://schemas.openxmlformats.org/presentationml/2006/main">
+  <p:cSld>
+    <p:spTree>
+      <p:nvGrpSpPr>
+        <p:cNvPr id="1" name=""/>
+        <p:cNvGrpSpPr/>
+        <p:nvPr/>
+      </p:nvGrpSpPr>
+      <p:grpSpPr>
+        <a:xfrm>
+          <a:off x="0" y="0"/>
+          <a:ext cx="0" cy="0"/>
+          <a:chOff x="0" y="0"/>
+          <a:chExt cx="0" cy="0"/>
+        </a:xfrm>
+      </p:grpSpPr>
+      <p:grpSp>
+        <p:nvGrpSpPr>
+          <p:cNvPr id="4" name="组合 3">
+            <a:extLst>
+              <a:ext uri="{FF2B5EF4-FFF2-40B4-BE49-F238E27FC236}">
+                <a16:creationId xmlns:a16="http://schemas.microsoft.com/office/drawing/2014/main" id="{725CBE8F-804E-4058-9D1C-9C6E94E42828}"/>
+              </a:ext>
+            </a:extLst>
+          </p:cNvPr>
+          <p:cNvGrpSpPr/>
+          <p:nvPr/>
+        </p:nvGrpSpPr>
+        <p:grpSpPr>
+          <a:xfrm>
+            <a:off x="1219003" y="1975697"/>
+            <a:ext cx="8523645" cy="2906605"/>
+            <a:chOff x="1219003" y="1975697"/>
+            <a:chExt cx="8523645" cy="2906605"/>
+          </a:xfrm>
+        </p:grpSpPr>
+        <p:pic>
+          <p:nvPicPr>
+            <p:cNvPr id="2" name="图片 1">
+              <a:extLst>
+                <a:ext uri="{FF2B5EF4-FFF2-40B4-BE49-F238E27FC236}">
+                  <a16:creationId xmlns:a16="http://schemas.microsoft.com/office/drawing/2014/main" id="{8D6621A7-C915-4EDA-8033-74EC21A4B055}"/>
+                </a:ext>
+              </a:extLst>
+            </p:cNvPr>
+            <p:cNvPicPr>
+              <a:picLocks noChangeAspect="1"/>
+            </p:cNvPicPr>
+            <p:nvPr/>
+          </p:nvPicPr>
+          <p:blipFill>
+            <a:blip r:embed="rId2"/>
+            <a:stretch>
+              <a:fillRect/>
+            </a:stretch>
+          </p:blipFill>
+          <p:spPr>
+            <a:xfrm>
+              <a:off x="5595693" y="1975697"/>
+              <a:ext cx="4146955" cy="2906605"/>
+            </a:xfrm>
+            <a:prstGeom prst="rect">
+              <a:avLst/>
+            </a:prstGeom>
+            <a:effectLst>
+              <a:glow rad="228600">
+                <a:schemeClr val="accent3">
+                  <a:satMod val="175000"/>
+                  <a:alpha val="40000"/>
+                </a:schemeClr>
+              </a:glow>
+            </a:effectLst>
+          </p:spPr>
+        </p:pic>
+        <p:pic>
+          <p:nvPicPr>
+            <p:cNvPr id="3" name="图片 2">
+              <a:extLst>
+                <a:ext uri="{FF2B5EF4-FFF2-40B4-BE49-F238E27FC236}">
+                  <a16:creationId xmlns:a16="http://schemas.microsoft.com/office/drawing/2014/main" id="{7F5CF036-F13E-4AAC-A7C1-6ACF659815A9}"/>
+                </a:ext>
+              </a:extLst>
+            </p:cNvPr>
+            <p:cNvPicPr>
+              <a:picLocks noChangeAspect="1"/>
+            </p:cNvPicPr>
+            <p:nvPr/>
+          </p:nvPicPr>
+          <p:blipFill>
+            <a:blip r:embed="rId3"/>
+            <a:stretch>
+              <a:fillRect/>
+            </a:stretch>
+          </p:blipFill>
+          <p:spPr>
+            <a:xfrm>
+              <a:off x="1219003" y="1975697"/>
+              <a:ext cx="4146955" cy="2906605"/>
+            </a:xfrm>
+            <a:prstGeom prst="rect">
+              <a:avLst/>
+            </a:prstGeom>
+            <a:effectLst>
+              <a:glow rad="228600">
+                <a:schemeClr val="accent3">
+                  <a:satMod val="175000"/>
+                  <a:alpha val="40000"/>
+                </a:schemeClr>
+              </a:glow>
+            </a:effectLst>
+          </p:spPr>
+        </p:pic>
+      </p:grpSp>
+    </p:spTree>
+    <p:extLst>
+      <p:ext uri="{BB962C8B-B14F-4D97-AF65-F5344CB8AC3E}">
+        <p14:creationId xmlns:p14="http://schemas.microsoft.com/office/powerpoint/2010/main" val="3932385828"/>
       </p:ext>
     </p:extLst>
   </p:cSld>

--- a/material/c2_figures.pptx
+++ b/material/c2_figures.pptx
@@ -11,6 +11,8 @@
     <p:sldId id="261" r:id="rId5"/>
     <p:sldId id="262" r:id="rId6"/>
     <p:sldId id="260" r:id="rId7"/>
+    <p:sldId id="263" r:id="rId8"/>
+    <p:sldId id="264" r:id="rId9"/>
   </p:sldIdLst>
   <p:sldSz cx="12192000" cy="6858000"/>
   <p:notesSz cx="6858000" cy="9144000"/>
@@ -3428,7 +3430,7 @@
           <a:graphicData uri="http://schemas.openxmlformats.org/presentationml/2006/ole">
             <mc:AlternateContent xmlns:mc="http://schemas.openxmlformats.org/markup-compatibility/2006">
               <mc:Choice xmlns:v="urn:schemas-microsoft-com:vml" Requires="v">
-                <p:oleObj spid="_x0000_s1034" r:id="rId3" imgW="10427387" imgH="2465132" progId="Visio.Drawing.11">
+                <p:oleObj spid="_x0000_s1041" r:id="rId3" imgW="10427387" imgH="2465132" progId="Visio.Drawing.11">
                   <p:embed/>
                 </p:oleObj>
               </mc:Choice>
@@ -4680,6 +4682,322 @@
     <p:extLst>
       <p:ext uri="{BB962C8B-B14F-4D97-AF65-F5344CB8AC3E}">
         <p14:creationId xmlns:p14="http://schemas.microsoft.com/office/powerpoint/2010/main" val="3932385828"/>
+      </p:ext>
+    </p:extLst>
+  </p:cSld>
+  <p:clrMapOvr>
+    <a:masterClrMapping/>
+  </p:clrMapOvr>
+</p:sld>
+</file>
+
+<file path=ppt/slides/slide7.xml><?xml version="1.0" encoding="utf-8"?>
+<p:sld xmlns:a="http://schemas.openxmlformats.org/drawingml/2006/main" xmlns:r="http://schemas.openxmlformats.org/officeDocument/2006/relationships" xmlns:p="http://schemas.openxmlformats.org/presentationml/2006/main">
+  <p:cSld>
+    <p:spTree>
+      <p:nvGrpSpPr>
+        <p:cNvPr id="1" name=""/>
+        <p:cNvGrpSpPr/>
+        <p:nvPr/>
+      </p:nvGrpSpPr>
+      <p:grpSpPr>
+        <a:xfrm>
+          <a:off x="0" y="0"/>
+          <a:ext cx="0" cy="0"/>
+          <a:chOff x="0" y="0"/>
+          <a:chExt cx="0" cy="0"/>
+        </a:xfrm>
+      </p:grpSpPr>
+      <p:pic>
+        <p:nvPicPr>
+          <p:cNvPr id="4" name="图片 3">
+            <a:extLst>
+              <a:ext uri="{FF2B5EF4-FFF2-40B4-BE49-F238E27FC236}">
+                <a16:creationId xmlns:a16="http://schemas.microsoft.com/office/drawing/2014/main" id="{10A9DFFB-E978-4C11-A9A4-F210374EB66C}"/>
+              </a:ext>
+            </a:extLst>
+          </p:cNvPr>
+          <p:cNvPicPr>
+            <a:picLocks noChangeAspect="1"/>
+          </p:cNvPicPr>
+          <p:nvPr/>
+        </p:nvPicPr>
+        <p:blipFill>
+          <a:blip r:embed="rId2"/>
+          <a:stretch>
+            <a:fillRect/>
+          </a:stretch>
+        </p:blipFill>
+        <p:spPr>
+          <a:xfrm>
+            <a:off x="881910" y="2423440"/>
+            <a:ext cx="4265201" cy="2237336"/>
+          </a:xfrm>
+          <a:prstGeom prst="rect">
+            <a:avLst/>
+          </a:prstGeom>
+          <a:effectLst>
+            <a:glow rad="228600">
+              <a:schemeClr val="accent3">
+                <a:satMod val="175000"/>
+                <a:alpha val="40000"/>
+              </a:schemeClr>
+            </a:glow>
+          </a:effectLst>
+        </p:spPr>
+      </p:pic>
+      <p:pic>
+        <p:nvPicPr>
+          <p:cNvPr id="5" name="图片 4">
+            <a:extLst>
+              <a:ext uri="{FF2B5EF4-FFF2-40B4-BE49-F238E27FC236}">
+                <a16:creationId xmlns:a16="http://schemas.microsoft.com/office/drawing/2014/main" id="{1E47923C-96D6-4A69-BCEB-3334E0124582}"/>
+              </a:ext>
+            </a:extLst>
+          </p:cNvPr>
+          <p:cNvPicPr>
+            <a:picLocks noChangeAspect="1"/>
+          </p:cNvPicPr>
+          <p:nvPr/>
+        </p:nvPicPr>
+        <p:blipFill>
+          <a:blip r:embed="rId3"/>
+          <a:stretch>
+            <a:fillRect/>
+          </a:stretch>
+        </p:blipFill>
+        <p:spPr>
+          <a:xfrm>
+            <a:off x="5433134" y="2423440"/>
+            <a:ext cx="4269247" cy="2237336"/>
+          </a:xfrm>
+          <a:prstGeom prst="rect">
+            <a:avLst/>
+          </a:prstGeom>
+          <a:effectLst>
+            <a:glow rad="228600">
+              <a:schemeClr val="accent3">
+                <a:satMod val="175000"/>
+                <a:alpha val="40000"/>
+              </a:schemeClr>
+            </a:glow>
+          </a:effectLst>
+        </p:spPr>
+      </p:pic>
+    </p:spTree>
+    <p:extLst>
+      <p:ext uri="{BB962C8B-B14F-4D97-AF65-F5344CB8AC3E}">
+        <p14:creationId xmlns:p14="http://schemas.microsoft.com/office/powerpoint/2010/main" val="3453110217"/>
+      </p:ext>
+    </p:extLst>
+  </p:cSld>
+  <p:clrMapOvr>
+    <a:masterClrMapping/>
+  </p:clrMapOvr>
+</p:sld>
+</file>
+
+<file path=ppt/slides/slide8.xml><?xml version="1.0" encoding="utf-8"?>
+<p:sld xmlns:a="http://schemas.openxmlformats.org/drawingml/2006/main" xmlns:r="http://schemas.openxmlformats.org/officeDocument/2006/relationships" xmlns:p="http://schemas.openxmlformats.org/presentationml/2006/main">
+  <p:cSld>
+    <p:spTree>
+      <p:nvGrpSpPr>
+        <p:cNvPr id="1" name=""/>
+        <p:cNvGrpSpPr/>
+        <p:nvPr/>
+      </p:nvGrpSpPr>
+      <p:grpSpPr>
+        <a:xfrm>
+          <a:off x="0" y="0"/>
+          <a:ext cx="0" cy="0"/>
+          <a:chOff x="0" y="0"/>
+          <a:chExt cx="0" cy="0"/>
+        </a:xfrm>
+      </p:grpSpPr>
+      <p:grpSp>
+        <p:nvGrpSpPr>
+          <p:cNvPr id="8" name="组合 7">
+            <a:extLst>
+              <a:ext uri="{FF2B5EF4-FFF2-40B4-BE49-F238E27FC236}">
+                <a16:creationId xmlns:a16="http://schemas.microsoft.com/office/drawing/2014/main" id="{E428F0C0-25B1-4B62-B233-02B86A86C01D}"/>
+              </a:ext>
+            </a:extLst>
+          </p:cNvPr>
+          <p:cNvGrpSpPr/>
+          <p:nvPr/>
+        </p:nvGrpSpPr>
+        <p:grpSpPr>
+          <a:xfrm>
+            <a:off x="988399" y="1673423"/>
+            <a:ext cx="9644897" cy="3521271"/>
+            <a:chOff x="988399" y="1673423"/>
+            <a:chExt cx="9644897" cy="3521271"/>
+          </a:xfrm>
+        </p:grpSpPr>
+        <p:pic>
+          <p:nvPicPr>
+            <p:cNvPr id="4" name="图片 3">
+              <a:extLst>
+                <a:ext uri="{FF2B5EF4-FFF2-40B4-BE49-F238E27FC236}">
+                  <a16:creationId xmlns:a16="http://schemas.microsoft.com/office/drawing/2014/main" id="{794F4985-D6A7-4472-92E3-C2E4EB2967E8}"/>
+                </a:ext>
+              </a:extLst>
+            </p:cNvPr>
+            <p:cNvPicPr>
+              <a:picLocks noChangeAspect="1"/>
+            </p:cNvPicPr>
+            <p:nvPr/>
+          </p:nvPicPr>
+          <p:blipFill>
+            <a:blip r:embed="rId2"/>
+            <a:stretch>
+              <a:fillRect/>
+            </a:stretch>
+          </p:blipFill>
+          <p:spPr>
+            <a:xfrm>
+              <a:off x="4286177" y="1673423"/>
+              <a:ext cx="3038605" cy="3511154"/>
+            </a:xfrm>
+            <a:prstGeom prst="rect">
+              <a:avLst/>
+            </a:prstGeom>
+            <a:effectLst>
+              <a:glow rad="228600">
+                <a:schemeClr val="accent3">
+                  <a:satMod val="175000"/>
+                  <a:alpha val="40000"/>
+                </a:schemeClr>
+              </a:glow>
+            </a:effectLst>
+          </p:spPr>
+        </p:pic>
+        <p:pic>
+          <p:nvPicPr>
+            <p:cNvPr id="5" name="图片 4">
+              <a:extLst>
+                <a:ext uri="{FF2B5EF4-FFF2-40B4-BE49-F238E27FC236}">
+                  <a16:creationId xmlns:a16="http://schemas.microsoft.com/office/drawing/2014/main" id="{611B7B6B-D5CE-4961-AFDA-61F676071C83}"/>
+                </a:ext>
+              </a:extLst>
+            </p:cNvPr>
+            <p:cNvPicPr>
+              <a:picLocks noChangeAspect="1"/>
+            </p:cNvPicPr>
+            <p:nvPr/>
+          </p:nvPicPr>
+          <p:blipFill>
+            <a:blip r:embed="rId3"/>
+            <a:stretch>
+              <a:fillRect/>
+            </a:stretch>
+          </p:blipFill>
+          <p:spPr>
+            <a:xfrm>
+              <a:off x="7594692" y="1673423"/>
+              <a:ext cx="3038604" cy="3521271"/>
+            </a:xfrm>
+            <a:prstGeom prst="rect">
+              <a:avLst/>
+            </a:prstGeom>
+            <a:effectLst>
+              <a:glow rad="228600">
+                <a:schemeClr val="accent3">
+                  <a:satMod val="175000"/>
+                  <a:alpha val="40000"/>
+                </a:schemeClr>
+              </a:glow>
+            </a:effectLst>
+          </p:spPr>
+        </p:pic>
+        <p:pic>
+          <p:nvPicPr>
+            <p:cNvPr id="7" name="图片 6">
+              <a:extLst>
+                <a:ext uri="{FF2B5EF4-FFF2-40B4-BE49-F238E27FC236}">
+                  <a16:creationId xmlns:a16="http://schemas.microsoft.com/office/drawing/2014/main" id="{3CE98A4B-1F77-4F93-8F56-9B68EE6357F4}"/>
+                </a:ext>
+              </a:extLst>
+            </p:cNvPr>
+            <p:cNvPicPr>
+              <a:picLocks noChangeAspect="1"/>
+            </p:cNvPicPr>
+            <p:nvPr/>
+          </p:nvPicPr>
+          <p:blipFill>
+            <a:blip r:embed="rId4">
+              <a:extLst>
+                <a:ext uri="{28A0092B-C50C-407E-A947-70E740481C1C}">
+                  <a14:useLocalDpi xmlns:a14="http://schemas.microsoft.com/office/drawing/2010/main" val="0"/>
+                </a:ext>
+              </a:extLst>
+            </a:blip>
+            <a:stretch>
+              <a:fillRect/>
+            </a:stretch>
+          </p:blipFill>
+          <p:spPr>
+            <a:xfrm>
+              <a:off x="988399" y="1673423"/>
+              <a:ext cx="3027868" cy="3511154"/>
+            </a:xfrm>
+            <a:prstGeom prst="rect">
+              <a:avLst/>
+            </a:prstGeom>
+            <a:effectLst>
+              <a:glow rad="228600">
+                <a:schemeClr val="accent3">
+                  <a:satMod val="175000"/>
+                  <a:alpha val="40000"/>
+                </a:schemeClr>
+              </a:glow>
+            </a:effectLst>
+          </p:spPr>
+        </p:pic>
+      </p:grpSp>
+      <p:sp>
+        <p:nvSpPr>
+          <p:cNvPr id="2" name="矩形 1">
+            <a:extLst>
+              <a:ext uri="{FF2B5EF4-FFF2-40B4-BE49-F238E27FC236}">
+                <a16:creationId xmlns:a16="http://schemas.microsoft.com/office/drawing/2014/main" id="{B8024606-0B6F-4BAD-B841-B1EFCF905D6A}"/>
+              </a:ext>
+            </a:extLst>
+          </p:cNvPr>
+          <p:cNvSpPr/>
+          <p:nvPr/>
+        </p:nvSpPr>
+        <p:spPr>
+          <a:xfrm>
+            <a:off x="988399" y="5863247"/>
+            <a:ext cx="8326318" cy="369332"/>
+          </a:xfrm>
+          <a:prstGeom prst="rect">
+            <a:avLst/>
+          </a:prstGeom>
+        </p:spPr>
+        <p:txBody>
+          <a:bodyPr wrap="none">
+            <a:spAutoFit/>
+          </a:bodyPr>
+          <a:lstStyle/>
+          <a:p>
+            <a:r>
+              <a:rPr lang="zh-CN" altLang="en-US" dirty="0"/>
+              <a:t>D:\ICIP\sf-ICIP的内容\edgebox_sf</a:t>
+            </a:r>
+            <a:r>
+              <a:rPr lang="en-US" altLang="zh-CN" dirty="0"/>
+              <a:t>		test2018_2_28		untitled</a:t>
+            </a:r>
+            <a:endParaRPr lang="zh-CN" altLang="en-US" dirty="0"/>
+          </a:p>
+        </p:txBody>
+      </p:sp>
+    </p:spTree>
+    <p:extLst>
+      <p:ext uri="{BB962C8B-B14F-4D97-AF65-F5344CB8AC3E}">
+        <p14:creationId xmlns:p14="http://schemas.microsoft.com/office/powerpoint/2010/main" val="1904763655"/>
       </p:ext>
     </p:extLst>
   </p:cSld>
